--- a/FFPM/FFPM 36.pptx
+++ b/FFPM/FFPM 36.pptx
@@ -170,7 +170,7 @@
           <a:lstStyle/>
           <a:p>
             <a:r>
-              <a:rPr lang="fr-FR" smtClean="0"/>
+              <a:rPr lang="fr-FR"/>
               <a:t>Cliquez pour modifier le style du titre</a:t>
             </a:r>
             <a:endParaRPr lang="fr-BE"/>
@@ -289,7 +289,7 @@
           </a:lstStyle>
           <a:p>
             <a:r>
-              <a:rPr lang="fr-FR" smtClean="0"/>
+              <a:rPr lang="fr-FR"/>
               <a:t>Cliquez pour modifier le style des sous-titres du masque</a:t>
             </a:r>
             <a:endParaRPr lang="fr-BE"/>
@@ -314,7 +314,7 @@
             <a:fld id="{AA309A6D-C09C-4548-B29A-6CF363A7E532}" type="datetimeFigureOut">
               <a:rPr lang="fr-FR" smtClean="0"/>
               <a:pPr/>
-              <a:t>17/09/2017</a:t>
+              <a:t>17/12/2023</a:t>
             </a:fld>
             <a:endParaRPr lang="fr-BE"/>
           </a:p>
@@ -404,7 +404,7 @@
           <a:lstStyle/>
           <a:p>
             <a:r>
-              <a:rPr lang="fr-FR" smtClean="0"/>
+              <a:rPr lang="fr-FR"/>
               <a:t>Cliquez pour modifier le style du titre</a:t>
             </a:r>
             <a:endParaRPr lang="fr-BE"/>
@@ -428,35 +428,35 @@
           <a:p>
             <a:pPr lvl="0"/>
             <a:r>
-              <a:rPr lang="fr-FR" smtClean="0"/>
+              <a:rPr lang="fr-FR"/>
               <a:t>Cliquez pour modifier les styles du texte du masque</a:t>
             </a:r>
           </a:p>
           <a:p>
             <a:pPr lvl="1"/>
             <a:r>
-              <a:rPr lang="fr-FR" smtClean="0"/>
+              <a:rPr lang="fr-FR"/>
               <a:t>Deuxième niveau</a:t>
             </a:r>
           </a:p>
           <a:p>
             <a:pPr lvl="2"/>
             <a:r>
-              <a:rPr lang="fr-FR" smtClean="0"/>
+              <a:rPr lang="fr-FR"/>
               <a:t>Troisième niveau</a:t>
             </a:r>
           </a:p>
           <a:p>
             <a:pPr lvl="3"/>
             <a:r>
-              <a:rPr lang="fr-FR" smtClean="0"/>
+              <a:rPr lang="fr-FR"/>
               <a:t>Quatrième niveau</a:t>
             </a:r>
           </a:p>
           <a:p>
             <a:pPr lvl="4"/>
             <a:r>
-              <a:rPr lang="fr-FR" smtClean="0"/>
+              <a:rPr lang="fr-FR"/>
               <a:t>Cinquième niveau</a:t>
             </a:r>
             <a:endParaRPr lang="fr-BE"/>
@@ -481,7 +481,7 @@
             <a:fld id="{AA309A6D-C09C-4548-B29A-6CF363A7E532}" type="datetimeFigureOut">
               <a:rPr lang="fr-FR" smtClean="0"/>
               <a:pPr/>
-              <a:t>17/09/2017</a:t>
+              <a:t>17/12/2023</a:t>
             </a:fld>
             <a:endParaRPr lang="fr-BE"/>
           </a:p>
@@ -576,7 +576,7 @@
           <a:lstStyle/>
           <a:p>
             <a:r>
-              <a:rPr lang="fr-FR" smtClean="0"/>
+              <a:rPr lang="fr-FR"/>
               <a:t>Cliquez pour modifier le style du titre</a:t>
             </a:r>
             <a:endParaRPr lang="fr-BE"/>
@@ -605,35 +605,35 @@
           <a:p>
             <a:pPr lvl="0"/>
             <a:r>
-              <a:rPr lang="fr-FR" smtClean="0"/>
+              <a:rPr lang="fr-FR"/>
               <a:t>Cliquez pour modifier les styles du texte du masque</a:t>
             </a:r>
           </a:p>
           <a:p>
             <a:pPr lvl="1"/>
             <a:r>
-              <a:rPr lang="fr-FR" smtClean="0"/>
+              <a:rPr lang="fr-FR"/>
               <a:t>Deuxième niveau</a:t>
             </a:r>
           </a:p>
           <a:p>
             <a:pPr lvl="2"/>
             <a:r>
-              <a:rPr lang="fr-FR" smtClean="0"/>
+              <a:rPr lang="fr-FR"/>
               <a:t>Troisième niveau</a:t>
             </a:r>
           </a:p>
           <a:p>
             <a:pPr lvl="3"/>
             <a:r>
-              <a:rPr lang="fr-FR" smtClean="0"/>
+              <a:rPr lang="fr-FR"/>
               <a:t>Quatrième niveau</a:t>
             </a:r>
           </a:p>
           <a:p>
             <a:pPr lvl="4"/>
             <a:r>
-              <a:rPr lang="fr-FR" smtClean="0"/>
+              <a:rPr lang="fr-FR"/>
               <a:t>Cinquième niveau</a:t>
             </a:r>
             <a:endParaRPr lang="fr-BE"/>
@@ -658,7 +658,7 @@
             <a:fld id="{AA309A6D-C09C-4548-B29A-6CF363A7E532}" type="datetimeFigureOut">
               <a:rPr lang="fr-FR" smtClean="0"/>
               <a:pPr/>
-              <a:t>17/09/2017</a:t>
+              <a:t>17/12/2023</a:t>
             </a:fld>
             <a:endParaRPr lang="fr-BE"/>
           </a:p>
@@ -748,7 +748,7 @@
           <a:lstStyle/>
           <a:p>
             <a:r>
-              <a:rPr lang="fr-FR" smtClean="0"/>
+              <a:rPr lang="fr-FR"/>
               <a:t>Cliquez pour modifier le style du titre</a:t>
             </a:r>
             <a:endParaRPr lang="fr-BE"/>
@@ -772,35 +772,35 @@
           <a:p>
             <a:pPr lvl="0"/>
             <a:r>
-              <a:rPr lang="fr-FR" smtClean="0"/>
+              <a:rPr lang="fr-FR"/>
               <a:t>Cliquez pour modifier les styles du texte du masque</a:t>
             </a:r>
           </a:p>
           <a:p>
             <a:pPr lvl="1"/>
             <a:r>
-              <a:rPr lang="fr-FR" smtClean="0"/>
+              <a:rPr lang="fr-FR"/>
               <a:t>Deuxième niveau</a:t>
             </a:r>
           </a:p>
           <a:p>
             <a:pPr lvl="2"/>
             <a:r>
-              <a:rPr lang="fr-FR" smtClean="0"/>
+              <a:rPr lang="fr-FR"/>
               <a:t>Troisième niveau</a:t>
             </a:r>
           </a:p>
           <a:p>
             <a:pPr lvl="3"/>
             <a:r>
-              <a:rPr lang="fr-FR" smtClean="0"/>
+              <a:rPr lang="fr-FR"/>
               <a:t>Quatrième niveau</a:t>
             </a:r>
           </a:p>
           <a:p>
             <a:pPr lvl="4"/>
             <a:r>
-              <a:rPr lang="fr-FR" smtClean="0"/>
+              <a:rPr lang="fr-FR"/>
               <a:t>Cinquième niveau</a:t>
             </a:r>
             <a:endParaRPr lang="fr-BE"/>
@@ -825,7 +825,7 @@
             <a:fld id="{AA309A6D-C09C-4548-B29A-6CF363A7E532}" type="datetimeFigureOut">
               <a:rPr lang="fr-FR" smtClean="0"/>
               <a:pPr/>
-              <a:t>17/09/2017</a:t>
+              <a:t>17/12/2023</a:t>
             </a:fld>
             <a:endParaRPr lang="fr-BE"/>
           </a:p>
@@ -924,7 +924,7 @@
           </a:lstStyle>
           <a:p>
             <a:r>
-              <a:rPr lang="fr-FR" smtClean="0"/>
+              <a:rPr lang="fr-FR"/>
               <a:t>Cliquez pour modifier le style du titre</a:t>
             </a:r>
             <a:endParaRPr lang="fr-BE"/>
@@ -1044,7 +1044,7 @@
           <a:p>
             <a:pPr lvl="0"/>
             <a:r>
-              <a:rPr lang="fr-FR" smtClean="0"/>
+              <a:rPr lang="fr-FR"/>
               <a:t>Cliquez pour modifier les styles du texte du masque</a:t>
             </a:r>
           </a:p>
@@ -1068,7 +1068,7 @@
             <a:fld id="{AA309A6D-C09C-4548-B29A-6CF363A7E532}" type="datetimeFigureOut">
               <a:rPr lang="fr-FR" smtClean="0"/>
               <a:pPr/>
-              <a:t>17/09/2017</a:t>
+              <a:t>17/12/2023</a:t>
             </a:fld>
             <a:endParaRPr lang="fr-BE"/>
           </a:p>
@@ -1158,7 +1158,7 @@
           <a:lstStyle/>
           <a:p>
             <a:r>
-              <a:rPr lang="fr-FR" smtClean="0"/>
+              <a:rPr lang="fr-FR"/>
               <a:t>Cliquez pour modifier le style du titre</a:t>
             </a:r>
             <a:endParaRPr lang="fr-BE"/>
@@ -1215,35 +1215,35 @@
           <a:p>
             <a:pPr lvl="0"/>
             <a:r>
-              <a:rPr lang="fr-FR" smtClean="0"/>
+              <a:rPr lang="fr-FR"/>
               <a:t>Cliquez pour modifier les styles du texte du masque</a:t>
             </a:r>
           </a:p>
           <a:p>
             <a:pPr lvl="1"/>
             <a:r>
-              <a:rPr lang="fr-FR" smtClean="0"/>
+              <a:rPr lang="fr-FR"/>
               <a:t>Deuxième niveau</a:t>
             </a:r>
           </a:p>
           <a:p>
             <a:pPr lvl="2"/>
             <a:r>
-              <a:rPr lang="fr-FR" smtClean="0"/>
+              <a:rPr lang="fr-FR"/>
               <a:t>Troisième niveau</a:t>
             </a:r>
           </a:p>
           <a:p>
             <a:pPr lvl="3"/>
             <a:r>
-              <a:rPr lang="fr-FR" smtClean="0"/>
+              <a:rPr lang="fr-FR"/>
               <a:t>Quatrième niveau</a:t>
             </a:r>
           </a:p>
           <a:p>
             <a:pPr lvl="4"/>
             <a:r>
-              <a:rPr lang="fr-FR" smtClean="0"/>
+              <a:rPr lang="fr-FR"/>
               <a:t>Cinquième niveau</a:t>
             </a:r>
             <a:endParaRPr lang="fr-BE"/>
@@ -1300,35 +1300,35 @@
           <a:p>
             <a:pPr lvl="0"/>
             <a:r>
-              <a:rPr lang="fr-FR" smtClean="0"/>
+              <a:rPr lang="fr-FR"/>
               <a:t>Cliquez pour modifier les styles du texte du masque</a:t>
             </a:r>
           </a:p>
           <a:p>
             <a:pPr lvl="1"/>
             <a:r>
-              <a:rPr lang="fr-FR" smtClean="0"/>
+              <a:rPr lang="fr-FR"/>
               <a:t>Deuxième niveau</a:t>
             </a:r>
           </a:p>
           <a:p>
             <a:pPr lvl="2"/>
             <a:r>
-              <a:rPr lang="fr-FR" smtClean="0"/>
+              <a:rPr lang="fr-FR"/>
               <a:t>Troisième niveau</a:t>
             </a:r>
           </a:p>
           <a:p>
             <a:pPr lvl="3"/>
             <a:r>
-              <a:rPr lang="fr-FR" smtClean="0"/>
+              <a:rPr lang="fr-FR"/>
               <a:t>Quatrième niveau</a:t>
             </a:r>
           </a:p>
           <a:p>
             <a:pPr lvl="4"/>
             <a:r>
-              <a:rPr lang="fr-FR" smtClean="0"/>
+              <a:rPr lang="fr-FR"/>
               <a:t>Cinquième niveau</a:t>
             </a:r>
             <a:endParaRPr lang="fr-BE"/>
@@ -1353,7 +1353,7 @@
             <a:fld id="{AA309A6D-C09C-4548-B29A-6CF363A7E532}" type="datetimeFigureOut">
               <a:rPr lang="fr-FR" smtClean="0"/>
               <a:pPr/>
-              <a:t>17/09/2017</a:t>
+              <a:t>17/12/2023</a:t>
             </a:fld>
             <a:endParaRPr lang="fr-BE"/>
           </a:p>
@@ -1447,7 +1447,7 @@
           </a:lstStyle>
           <a:p>
             <a:r>
-              <a:rPr lang="fr-FR" smtClean="0"/>
+              <a:rPr lang="fr-FR"/>
               <a:t>Cliquez pour modifier le style du titre</a:t>
             </a:r>
             <a:endParaRPr lang="fr-BE"/>
@@ -1513,7 +1513,7 @@
           <a:p>
             <a:pPr lvl="0"/>
             <a:r>
-              <a:rPr lang="fr-FR" smtClean="0"/>
+              <a:rPr lang="fr-FR"/>
               <a:t>Cliquez pour modifier les styles du texte du masque</a:t>
             </a:r>
           </a:p>
@@ -1569,35 +1569,35 @@
           <a:p>
             <a:pPr lvl="0"/>
             <a:r>
-              <a:rPr lang="fr-FR" smtClean="0"/>
+              <a:rPr lang="fr-FR"/>
               <a:t>Cliquez pour modifier les styles du texte du masque</a:t>
             </a:r>
           </a:p>
           <a:p>
             <a:pPr lvl="1"/>
             <a:r>
-              <a:rPr lang="fr-FR" smtClean="0"/>
+              <a:rPr lang="fr-FR"/>
               <a:t>Deuxième niveau</a:t>
             </a:r>
           </a:p>
           <a:p>
             <a:pPr lvl="2"/>
             <a:r>
-              <a:rPr lang="fr-FR" smtClean="0"/>
+              <a:rPr lang="fr-FR"/>
               <a:t>Troisième niveau</a:t>
             </a:r>
           </a:p>
           <a:p>
             <a:pPr lvl="3"/>
             <a:r>
-              <a:rPr lang="fr-FR" smtClean="0"/>
+              <a:rPr lang="fr-FR"/>
               <a:t>Quatrième niveau</a:t>
             </a:r>
           </a:p>
           <a:p>
             <a:pPr lvl="4"/>
             <a:r>
-              <a:rPr lang="fr-FR" smtClean="0"/>
+              <a:rPr lang="fr-FR"/>
               <a:t>Cinquième niveau</a:t>
             </a:r>
             <a:endParaRPr lang="fr-BE"/>
@@ -1663,7 +1663,7 @@
           <a:p>
             <a:pPr lvl="0"/>
             <a:r>
-              <a:rPr lang="fr-FR" smtClean="0"/>
+              <a:rPr lang="fr-FR"/>
               <a:t>Cliquez pour modifier les styles du texte du masque</a:t>
             </a:r>
           </a:p>
@@ -1719,35 +1719,35 @@
           <a:p>
             <a:pPr lvl="0"/>
             <a:r>
-              <a:rPr lang="fr-FR" smtClean="0"/>
+              <a:rPr lang="fr-FR"/>
               <a:t>Cliquez pour modifier les styles du texte du masque</a:t>
             </a:r>
           </a:p>
           <a:p>
             <a:pPr lvl="1"/>
             <a:r>
-              <a:rPr lang="fr-FR" smtClean="0"/>
+              <a:rPr lang="fr-FR"/>
               <a:t>Deuxième niveau</a:t>
             </a:r>
           </a:p>
           <a:p>
             <a:pPr lvl="2"/>
             <a:r>
-              <a:rPr lang="fr-FR" smtClean="0"/>
+              <a:rPr lang="fr-FR"/>
               <a:t>Troisième niveau</a:t>
             </a:r>
           </a:p>
           <a:p>
             <a:pPr lvl="3"/>
             <a:r>
-              <a:rPr lang="fr-FR" smtClean="0"/>
+              <a:rPr lang="fr-FR"/>
               <a:t>Quatrième niveau</a:t>
             </a:r>
           </a:p>
           <a:p>
             <a:pPr lvl="4"/>
             <a:r>
-              <a:rPr lang="fr-FR" smtClean="0"/>
+              <a:rPr lang="fr-FR"/>
               <a:t>Cinquième niveau</a:t>
             </a:r>
             <a:endParaRPr lang="fr-BE"/>
@@ -1772,7 +1772,7 @@
             <a:fld id="{AA309A6D-C09C-4548-B29A-6CF363A7E532}" type="datetimeFigureOut">
               <a:rPr lang="fr-FR" smtClean="0"/>
               <a:pPr/>
-              <a:t>17/09/2017</a:t>
+              <a:t>17/12/2023</a:t>
             </a:fld>
             <a:endParaRPr lang="fr-BE"/>
           </a:p>
@@ -1862,7 +1862,7 @@
           <a:lstStyle/>
           <a:p>
             <a:r>
-              <a:rPr lang="fr-FR" smtClean="0"/>
+              <a:rPr lang="fr-FR"/>
               <a:t>Cliquez pour modifier le style du titre</a:t>
             </a:r>
             <a:endParaRPr lang="fr-BE"/>
@@ -1887,7 +1887,7 @@
             <a:fld id="{AA309A6D-C09C-4548-B29A-6CF363A7E532}" type="datetimeFigureOut">
               <a:rPr lang="fr-FR" smtClean="0"/>
               <a:pPr/>
-              <a:t>17/09/2017</a:t>
+              <a:t>17/12/2023</a:t>
             </a:fld>
             <a:endParaRPr lang="fr-BE"/>
           </a:p>
@@ -1979,7 +1979,7 @@
             <a:fld id="{AA309A6D-C09C-4548-B29A-6CF363A7E532}" type="datetimeFigureOut">
               <a:rPr lang="fr-FR" smtClean="0"/>
               <a:pPr/>
-              <a:t>17/09/2017</a:t>
+              <a:t>17/12/2023</a:t>
             </a:fld>
             <a:endParaRPr lang="fr-BE"/>
           </a:p>
@@ -2078,7 +2078,7 @@
           </a:lstStyle>
           <a:p>
             <a:r>
-              <a:rPr lang="fr-FR" smtClean="0"/>
+              <a:rPr lang="fr-FR"/>
               <a:t>Cliquez pour modifier le style du titre</a:t>
             </a:r>
             <a:endParaRPr lang="fr-BE"/>
@@ -2135,35 +2135,35 @@
           <a:p>
             <a:pPr lvl="0"/>
             <a:r>
-              <a:rPr lang="fr-FR" smtClean="0"/>
+              <a:rPr lang="fr-FR"/>
               <a:t>Cliquez pour modifier les styles du texte du masque</a:t>
             </a:r>
           </a:p>
           <a:p>
             <a:pPr lvl="1"/>
             <a:r>
-              <a:rPr lang="fr-FR" smtClean="0"/>
+              <a:rPr lang="fr-FR"/>
               <a:t>Deuxième niveau</a:t>
             </a:r>
           </a:p>
           <a:p>
             <a:pPr lvl="2"/>
             <a:r>
-              <a:rPr lang="fr-FR" smtClean="0"/>
+              <a:rPr lang="fr-FR"/>
               <a:t>Troisième niveau</a:t>
             </a:r>
           </a:p>
           <a:p>
             <a:pPr lvl="3"/>
             <a:r>
-              <a:rPr lang="fr-FR" smtClean="0"/>
+              <a:rPr lang="fr-FR"/>
               <a:t>Quatrième niveau</a:t>
             </a:r>
           </a:p>
           <a:p>
             <a:pPr lvl="4"/>
             <a:r>
-              <a:rPr lang="fr-FR" smtClean="0"/>
+              <a:rPr lang="fr-FR"/>
               <a:t>Cinquième niveau</a:t>
             </a:r>
             <a:endParaRPr lang="fr-BE"/>
@@ -2229,7 +2229,7 @@
           <a:p>
             <a:pPr lvl="0"/>
             <a:r>
-              <a:rPr lang="fr-FR" smtClean="0"/>
+              <a:rPr lang="fr-FR"/>
               <a:t>Cliquez pour modifier les styles du texte du masque</a:t>
             </a:r>
           </a:p>
@@ -2253,7 +2253,7 @@
             <a:fld id="{AA309A6D-C09C-4548-B29A-6CF363A7E532}" type="datetimeFigureOut">
               <a:rPr lang="fr-FR" smtClean="0"/>
               <a:pPr/>
-              <a:t>17/09/2017</a:t>
+              <a:t>17/12/2023</a:t>
             </a:fld>
             <a:endParaRPr lang="fr-BE"/>
           </a:p>
@@ -2352,7 +2352,7 @@
           </a:lstStyle>
           <a:p>
             <a:r>
-              <a:rPr lang="fr-FR" smtClean="0"/>
+              <a:rPr lang="fr-FR"/>
               <a:t>Cliquez pour modifier le style du titre</a:t>
             </a:r>
             <a:endParaRPr lang="fr-BE"/>
@@ -2479,7 +2479,7 @@
           <a:p>
             <a:pPr lvl="0"/>
             <a:r>
-              <a:rPr lang="fr-FR" smtClean="0"/>
+              <a:rPr lang="fr-FR"/>
               <a:t>Cliquez pour modifier les styles du texte du masque</a:t>
             </a:r>
           </a:p>
@@ -2503,7 +2503,7 @@
             <a:fld id="{AA309A6D-C09C-4548-B29A-6CF363A7E532}" type="datetimeFigureOut">
               <a:rPr lang="fr-FR" smtClean="0"/>
               <a:pPr/>
-              <a:t>17/09/2017</a:t>
+              <a:t>17/12/2023</a:t>
             </a:fld>
             <a:endParaRPr lang="fr-BE"/>
           </a:p>
@@ -2611,7 +2611,7 @@
           <a:lstStyle/>
           <a:p>
             <a:r>
-              <a:rPr lang="fr-FR" smtClean="0"/>
+              <a:rPr lang="fr-FR"/>
               <a:t>Cliquez pour modifier le style du titre</a:t>
             </a:r>
             <a:endParaRPr lang="fr-BE"/>
@@ -2645,35 +2645,35 @@
           <a:p>
             <a:pPr lvl="0"/>
             <a:r>
-              <a:rPr lang="fr-FR" smtClean="0"/>
+              <a:rPr lang="fr-FR"/>
               <a:t>Cliquez pour modifier les styles du texte du masque</a:t>
             </a:r>
           </a:p>
           <a:p>
             <a:pPr lvl="1"/>
             <a:r>
-              <a:rPr lang="fr-FR" smtClean="0"/>
+              <a:rPr lang="fr-FR"/>
               <a:t>Deuxième niveau</a:t>
             </a:r>
           </a:p>
           <a:p>
             <a:pPr lvl="2"/>
             <a:r>
-              <a:rPr lang="fr-FR" smtClean="0"/>
+              <a:rPr lang="fr-FR"/>
               <a:t>Troisième niveau</a:t>
             </a:r>
           </a:p>
           <a:p>
             <a:pPr lvl="3"/>
             <a:r>
-              <a:rPr lang="fr-FR" smtClean="0"/>
+              <a:rPr lang="fr-FR"/>
               <a:t>Quatrième niveau</a:t>
             </a:r>
           </a:p>
           <a:p>
             <a:pPr lvl="4"/>
             <a:r>
-              <a:rPr lang="fr-FR" smtClean="0"/>
+              <a:rPr lang="fr-FR"/>
               <a:t>Cinquième niveau</a:t>
             </a:r>
             <a:endParaRPr lang="fr-BE"/>
@@ -2716,7 +2716,7 @@
             <a:fld id="{AA309A6D-C09C-4548-B29A-6CF363A7E532}" type="datetimeFigureOut">
               <a:rPr lang="fr-FR" smtClean="0"/>
               <a:pPr/>
-              <a:t>17/09/2017</a:t>
+              <a:t>17/12/2023</a:t>
             </a:fld>
             <a:endParaRPr lang="fr-BE"/>
           </a:p>
@@ -3110,10 +3110,9 @@
           <a:lstStyle/>
           <a:p>
             <a:r>
-              <a:rPr lang="fr-FR" sz="16600" b="1" dirty="0" smtClean="0"/>
+              <a:rPr lang="fr-FR" sz="16600" b="1" dirty="0"/>
               <a:t>36</a:t>
             </a:r>
-            <a:endParaRPr lang="fr-FR" sz="16600" b="1" dirty="0"/>
           </a:p>
         </p:txBody>
       </p:sp>
@@ -3140,7 +3139,7 @@
           <a:lstStyle/>
           <a:p>
             <a:r>
-              <a:rPr lang="fr-FR" sz="4400" b="1" dirty="0" smtClean="0">
+              <a:rPr lang="fr-FR" sz="4400" b="1" dirty="0">
                 <a:solidFill>
                   <a:schemeClr val="tx2"/>
                 </a:solidFill>
@@ -3149,7 +3148,7 @@
               <a:t>Moa h</a:t>
             </a:r>
             <a:r>
-              <a:rPr lang="fr-FR" sz="5400" b="1" dirty="0" smtClean="0">
+              <a:rPr lang="fr-FR" sz="5400" b="1" dirty="0">
                 <a:solidFill>
                   <a:schemeClr val="tx2"/>
                 </a:solidFill>
@@ -3158,7 +3157,7 @@
               <a:t>o</a:t>
             </a:r>
             <a:r>
-              <a:rPr lang="fr-FR" sz="4400" b="1" dirty="0" smtClean="0">
+              <a:rPr lang="fr-FR" sz="4400" b="1" dirty="0">
                 <a:solidFill>
                   <a:schemeClr val="tx2"/>
                 </a:solidFill>
@@ -3166,12 +3165,6 @@
               </a:rPr>
               <a:t> haiko tantaraina?</a:t>
             </a:r>
-            <a:endParaRPr lang="fr-FR" sz="4400" b="1" dirty="0">
-              <a:solidFill>
-                <a:schemeClr val="tx2"/>
-              </a:solidFill>
-              <a:latin typeface="AR BLANCA" pitchFamily="2" charset="0"/>
-            </a:endParaRPr>
           </a:p>
         </p:txBody>
       </p:sp>
@@ -3197,13 +3190,6 @@
       </p:transition>
     </mc:Fallback>
   </mc:AlternateContent>
-  <p:timing>
-    <p:tnLst>
-      <p:par>
-        <p:cTn id="1" dur="indefinite" restart="never" nodeType="tmRoot"/>
-      </p:par>
-    </p:tnLst>
-  </p:timing>
 </p:sld>
 </file>
 
@@ -3248,10 +3234,7 @@
           <a:p>
             <a:pPr algn="ctr"/>
             <a:r>
-              <a:rPr lang="fr-FR" sz="6600" b="1" i="1" dirty="0" smtClean="0">
-                <a:solidFill>
-                  <a:srgbClr val="0070C0"/>
-                </a:solidFill>
+              <a:rPr lang="fr-FR" sz="6600" b="1" i="1" dirty="0">
                 <a:effectLst>
                   <a:outerShdw blurRad="38100" dist="38100" dir="2700000" algn="tl">
                     <a:srgbClr val="000000">
@@ -3266,10 +3249,7 @@
           <a:p>
             <a:pPr algn="ctr"/>
             <a:r>
-              <a:rPr lang="fr-FR" sz="6600" b="1" i="1" dirty="0" smtClean="0">
-                <a:solidFill>
-                  <a:srgbClr val="0070C0"/>
-                </a:solidFill>
+              <a:rPr lang="fr-FR" sz="6600" b="1" i="1" dirty="0">
                 <a:effectLst>
                   <a:outerShdw blurRad="38100" dist="38100" dir="2700000" algn="tl">
                     <a:srgbClr val="000000">
@@ -3284,10 +3264,7 @@
           <a:p>
             <a:pPr algn="ctr"/>
             <a:r>
-              <a:rPr lang="fr-FR" sz="6600" b="1" i="1" dirty="0" smtClean="0">
-                <a:solidFill>
-                  <a:srgbClr val="0070C0"/>
-                </a:solidFill>
+              <a:rPr lang="fr-FR" sz="6600" b="1" i="1" dirty="0">
                 <a:effectLst>
                   <a:outerShdw blurRad="38100" dist="38100" dir="2700000" algn="tl">
                     <a:srgbClr val="000000">
@@ -3298,18 +3275,6 @@
               </a:rPr>
               <a:t>Jeso no derao</a:t>
             </a:r>
-            <a:endParaRPr lang="fr-FR" sz="6600" b="1" i="1" dirty="0">
-              <a:solidFill>
-                <a:srgbClr val="0070C0"/>
-              </a:solidFill>
-              <a:effectLst>
-                <a:outerShdw blurRad="38100" dist="38100" dir="2700000" algn="tl">
-                  <a:srgbClr val="000000">
-                    <a:alpha val="43137"/>
-                  </a:srgbClr>
-                </a:outerShdw>
-              </a:effectLst>
-            </a:endParaRPr>
           </a:p>
         </p:txBody>
       </p:sp>
@@ -3335,13 +3300,6 @@
       </p:transition>
     </mc:Fallback>
   </mc:AlternateContent>
-  <p:timing>
-    <p:tnLst>
-      <p:par>
-        <p:cTn id="1" dur="indefinite" restart="never" nodeType="tmRoot"/>
-      </p:par>
-    </p:tnLst>
-  </p:timing>
 </p:sld>
 </file>
 
@@ -3386,11 +3344,11 @@
           <a:p>
             <a:pPr algn="ctr"/>
             <a:r>
-              <a:rPr lang="fr-FR" sz="6000" b="1" dirty="0" smtClean="0"/>
+              <a:rPr lang="fr-FR" sz="6000" b="1" dirty="0"/>
               <a:t> </a:t>
             </a:r>
             <a:r>
-              <a:rPr lang="fr-FR" sz="6000" b="1" dirty="0" smtClean="0">
+              <a:rPr lang="fr-FR" sz="6000" b="1" dirty="0">
                 <a:solidFill>
                   <a:srgbClr val="FF0000"/>
                 </a:solidFill>
@@ -3398,36 +3356,36 @@
               <a:t>1) </a:t>
             </a:r>
             <a:r>
-              <a:rPr lang="fr-FR" sz="6000" b="1" dirty="0" smtClean="0"/>
+              <a:rPr lang="fr-FR" sz="6000" b="1" dirty="0"/>
               <a:t>Moa ho haiko tantaraina </a:t>
             </a:r>
           </a:p>
           <a:p>
             <a:pPr algn="ctr"/>
             <a:r>
-              <a:rPr lang="fr-FR" sz="6000" b="1" dirty="0" smtClean="0"/>
+              <a:rPr lang="fr-FR" sz="6000" b="1" dirty="0"/>
               <a:t>Ny hasoavanao? </a:t>
             </a:r>
           </a:p>
           <a:p>
             <a:pPr algn="ctr"/>
             <a:r>
-              <a:rPr lang="fr-FR" sz="6000" b="1" dirty="0" smtClean="0"/>
+              <a:rPr lang="fr-FR" sz="6000" b="1" dirty="0"/>
               <a:t>Mifamatra tamin’aina </a:t>
             </a:r>
           </a:p>
           <a:p>
             <a:pPr algn="ctr"/>
             <a:r>
-              <a:rPr lang="fr-FR" sz="6000" b="1" dirty="0" smtClean="0"/>
+              <a:rPr lang="fr-FR" sz="6000" b="1" dirty="0"/>
               <a:t>Ny </a:t>
             </a:r>
             <a:r>
-              <a:rPr lang="fr-FR" sz="6000" b="1" dirty="0" err="1" smtClean="0"/>
+              <a:rPr lang="fr-FR" sz="6000" b="1" dirty="0" err="1"/>
               <a:t>fitiavanao</a:t>
             </a:r>
             <a:r>
-              <a:rPr lang="fr-FR" sz="6000" b="1" dirty="0" smtClean="0"/>
+              <a:rPr lang="fr-FR" sz="6000" b="1" dirty="0"/>
               <a:t>.</a:t>
             </a:r>
           </a:p>
@@ -3455,13 +3413,6 @@
       </p:transition>
     </mc:Fallback>
   </mc:AlternateContent>
-  <p:timing>
-    <p:tnLst>
-      <p:par>
-        <p:cTn id="1" dur="indefinite" restart="never" nodeType="tmRoot"/>
-      </p:par>
-    </p:tnLst>
-  </p:timing>
 </p:sld>
 </file>
 
@@ -3599,13 +3550,6 @@
       </p:transition>
     </mc:Fallback>
   </mc:AlternateContent>
-  <p:timing>
-    <p:tnLst>
-      <p:par>
-        <p:cTn id="1" dur="indefinite" restart="never" nodeType="tmRoot"/>
-      </p:par>
-    </p:tnLst>
-  </p:timing>
 </p:sld>
 </file>
 
@@ -3650,10 +3594,7 @@
           <a:p>
             <a:pPr algn="ctr"/>
             <a:r>
-              <a:rPr lang="fr-FR" sz="6600" b="1" i="1" dirty="0" smtClean="0">
-                <a:solidFill>
-                  <a:srgbClr val="0070C0"/>
-                </a:solidFill>
+              <a:rPr lang="fr-FR" sz="6600" b="1" i="1" dirty="0">
                 <a:effectLst>
                   <a:outerShdw blurRad="38100" dist="38100" dir="2700000" algn="tl">
                     <a:srgbClr val="000000">
@@ -3668,10 +3609,7 @@
           <a:p>
             <a:pPr algn="ctr"/>
             <a:r>
-              <a:rPr lang="fr-FR" sz="6600" b="1" i="1" dirty="0" smtClean="0">
-                <a:solidFill>
-                  <a:srgbClr val="0070C0"/>
-                </a:solidFill>
+              <a:rPr lang="fr-FR" sz="6600" b="1" i="1" dirty="0">
                 <a:effectLst>
                   <a:outerShdw blurRad="38100" dist="38100" dir="2700000" algn="tl">
                     <a:srgbClr val="000000">
@@ -3686,10 +3624,7 @@
           <a:p>
             <a:pPr algn="ctr"/>
             <a:r>
-              <a:rPr lang="fr-FR" sz="6600" b="1" i="1" dirty="0" smtClean="0">
-                <a:solidFill>
-                  <a:srgbClr val="0070C0"/>
-                </a:solidFill>
+              <a:rPr lang="fr-FR" sz="6600" b="1" i="1" dirty="0">
                 <a:effectLst>
                   <a:outerShdw blurRad="38100" dist="38100" dir="2700000" algn="tl">
                     <a:srgbClr val="000000">
@@ -3700,18 +3635,6 @@
               </a:rPr>
               <a:t>Jeso no derao</a:t>
             </a:r>
-            <a:endParaRPr lang="fr-FR" sz="6600" b="1" i="1" dirty="0">
-              <a:solidFill>
-                <a:srgbClr val="0070C0"/>
-              </a:solidFill>
-              <a:effectLst>
-                <a:outerShdw blurRad="38100" dist="38100" dir="2700000" algn="tl">
-                  <a:srgbClr val="000000">
-                    <a:alpha val="43137"/>
-                  </a:srgbClr>
-                </a:outerShdw>
-              </a:effectLst>
-            </a:endParaRPr>
           </a:p>
         </p:txBody>
       </p:sp>
@@ -3737,13 +3660,6 @@
       </p:transition>
     </mc:Fallback>
   </mc:AlternateContent>
-  <p:timing>
-    <p:tnLst>
-      <p:par>
-        <p:cTn id="1" dur="indefinite" restart="never" nodeType="tmRoot"/>
-      </p:par>
-    </p:tnLst>
-  </p:timing>
 </p:sld>
 </file>
 
@@ -3788,7 +3704,7 @@
           <a:p>
             <a:pPr algn="ctr"/>
             <a:r>
-              <a:rPr lang="fr-FR" sz="6600" b="1" dirty="0" smtClean="0">
+              <a:rPr lang="fr-FR" sz="6600" b="1" dirty="0">
                 <a:solidFill>
                   <a:srgbClr val="FF0000"/>
                 </a:solidFill>
@@ -3796,40 +3712,40 @@
               <a:t>2) </a:t>
             </a:r>
             <a:r>
-              <a:rPr lang="fr-FR" sz="6600" b="1" dirty="0" err="1" smtClean="0"/>
+              <a:rPr lang="fr-FR" sz="6600" b="1" dirty="0" err="1"/>
               <a:t>Fiadanana</a:t>
             </a:r>
             <a:r>
-              <a:rPr lang="fr-FR" sz="6600" b="1" dirty="0" smtClean="0"/>
+              <a:rPr lang="fr-FR" sz="6600" b="1" dirty="0"/>
               <a:t> nafoin’ i</a:t>
             </a:r>
           </a:p>
           <a:p>
             <a:pPr algn="ctr"/>
             <a:r>
-              <a:rPr lang="fr-FR" sz="6600" b="1" dirty="0" smtClean="0"/>
+              <a:rPr lang="fr-FR" sz="6600" b="1" dirty="0"/>
               <a:t>Jeso Tomponay,</a:t>
             </a:r>
           </a:p>
           <a:p>
             <a:pPr algn="ctr"/>
             <a:r>
-              <a:rPr lang="fr-FR" sz="6600" b="1" dirty="0" smtClean="0"/>
+              <a:rPr lang="fr-FR" sz="6600" b="1" dirty="0"/>
               <a:t>F’efa tonga ny fotoana,</a:t>
             </a:r>
           </a:p>
           <a:p>
             <a:pPr algn="ctr"/>
             <a:r>
-              <a:rPr lang="fr-FR" sz="6600" b="1" dirty="0" smtClean="0"/>
+              <a:rPr lang="fr-FR" sz="6600" b="1" dirty="0"/>
               <a:t>Sitraky </a:t>
             </a:r>
             <a:r>
-              <a:rPr lang="fr-FR" sz="6600" b="1" dirty="0" err="1" smtClean="0"/>
+              <a:rPr lang="fr-FR" sz="6600" b="1" dirty="0" err="1"/>
               <a:t>ny</a:t>
             </a:r>
             <a:r>
-              <a:rPr lang="fr-FR" sz="6600" b="1" dirty="0" smtClean="0"/>
+              <a:rPr lang="fr-FR" sz="6600" b="1" dirty="0"/>
               <a:t> Ray</a:t>
             </a:r>
           </a:p>
@@ -3857,13 +3773,6 @@
       </p:transition>
     </mc:Fallback>
   </mc:AlternateContent>
-  <p:timing>
-    <p:tnLst>
-      <p:par>
-        <p:cTn id="1" dur="indefinite" restart="never" nodeType="tmRoot"/>
-      </p:par>
-    </p:tnLst>
-  </p:timing>
 </p:sld>
 </file>
 
@@ -4015,13 +3924,6 @@
       </p:transition>
     </mc:Fallback>
   </mc:AlternateContent>
-  <p:timing>
-    <p:tnLst>
-      <p:par>
-        <p:cTn id="1" dur="indefinite" restart="never" nodeType="tmRoot"/>
-      </p:par>
-    </p:tnLst>
-  </p:timing>
 </p:sld>
 </file>
 
@@ -4066,10 +3968,7 @@
           <a:p>
             <a:pPr algn="ctr"/>
             <a:r>
-              <a:rPr lang="fr-FR" sz="6600" b="1" i="1" dirty="0" smtClean="0">
-                <a:solidFill>
-                  <a:srgbClr val="0070C0"/>
-                </a:solidFill>
+              <a:rPr lang="fr-FR" sz="6600" b="1" i="1" dirty="0">
                 <a:effectLst>
                   <a:outerShdw blurRad="38100" dist="38100" dir="2700000" algn="tl">
                     <a:srgbClr val="000000">
@@ -4084,10 +3983,7 @@
           <a:p>
             <a:pPr algn="ctr"/>
             <a:r>
-              <a:rPr lang="fr-FR" sz="6600" b="1" i="1" dirty="0" smtClean="0">
-                <a:solidFill>
-                  <a:srgbClr val="0070C0"/>
-                </a:solidFill>
+              <a:rPr lang="fr-FR" sz="6600" b="1" i="1" dirty="0">
                 <a:effectLst>
                   <a:outerShdw blurRad="38100" dist="38100" dir="2700000" algn="tl">
                     <a:srgbClr val="000000">
@@ -4102,10 +3998,7 @@
           <a:p>
             <a:pPr algn="ctr"/>
             <a:r>
-              <a:rPr lang="fr-FR" sz="6600" b="1" i="1" dirty="0" smtClean="0">
-                <a:solidFill>
-                  <a:srgbClr val="0070C0"/>
-                </a:solidFill>
+              <a:rPr lang="fr-FR" sz="6600" b="1" i="1" dirty="0">
                 <a:effectLst>
                   <a:outerShdw blurRad="38100" dist="38100" dir="2700000" algn="tl">
                     <a:srgbClr val="000000">
@@ -4116,18 +4009,6 @@
               </a:rPr>
               <a:t>Jeso no derao</a:t>
             </a:r>
-            <a:endParaRPr lang="fr-FR" sz="6600" b="1" i="1" dirty="0">
-              <a:solidFill>
-                <a:srgbClr val="0070C0"/>
-              </a:solidFill>
-              <a:effectLst>
-                <a:outerShdw blurRad="38100" dist="38100" dir="2700000" algn="tl">
-                  <a:srgbClr val="000000">
-                    <a:alpha val="43137"/>
-                  </a:srgbClr>
-                </a:outerShdw>
-              </a:effectLst>
-            </a:endParaRPr>
           </a:p>
         </p:txBody>
       </p:sp>
@@ -4153,13 +4034,6 @@
       </p:transition>
     </mc:Fallback>
   </mc:AlternateContent>
-  <p:timing>
-    <p:tnLst>
-      <p:par>
-        <p:cTn id="1" dur="indefinite" restart="never" nodeType="tmRoot"/>
-      </p:par>
-    </p:tnLst>
-  </p:timing>
 </p:sld>
 </file>
 
@@ -4204,7 +4078,7 @@
           <a:p>
             <a:pPr algn="ctr"/>
             <a:r>
-              <a:rPr lang="fr-FR" sz="6600" b="1" dirty="0" smtClean="0">
+              <a:rPr lang="fr-FR" sz="6600" b="1" dirty="0">
                 <a:solidFill>
                   <a:srgbClr val="FF0000"/>
                 </a:solidFill>
@@ -4212,36 +4086,36 @@
               <a:t>3) </a:t>
             </a:r>
             <a:r>
-              <a:rPr lang="fr-FR" sz="6600" b="1" dirty="0" smtClean="0"/>
+              <a:rPr lang="fr-FR" sz="6600" b="1" dirty="0"/>
               <a:t>Ho deraina lalandava</a:t>
             </a:r>
           </a:p>
           <a:p>
             <a:pPr algn="ctr"/>
             <a:r>
-              <a:rPr lang="fr-FR" sz="6600" b="1" dirty="0" smtClean="0"/>
+              <a:rPr lang="fr-FR" sz="6600" b="1" dirty="0"/>
               <a:t>Ny Anaranao,</a:t>
             </a:r>
           </a:p>
           <a:p>
             <a:pPr algn="ctr"/>
             <a:r>
-              <a:rPr lang="fr-FR" sz="6600" b="1" dirty="0" smtClean="0"/>
+              <a:rPr lang="fr-FR" sz="6600" b="1" dirty="0"/>
               <a:t>Fa ny aizina nisava </a:t>
             </a:r>
           </a:p>
           <a:p>
             <a:pPr algn="ctr"/>
             <a:r>
-              <a:rPr lang="fr-FR" sz="6600" b="1" dirty="0" smtClean="0"/>
+              <a:rPr lang="fr-FR" sz="6600" b="1" dirty="0"/>
               <a:t>Eo </a:t>
             </a:r>
             <a:r>
-              <a:rPr lang="fr-FR" sz="6600" b="1" dirty="0" err="1" smtClean="0"/>
+              <a:rPr lang="fr-FR" sz="6600" b="1" dirty="0" err="1"/>
               <a:t>imasonao</a:t>
             </a:r>
             <a:r>
-              <a:rPr lang="fr-FR" sz="6600" b="1" dirty="0" smtClean="0"/>
+              <a:rPr lang="fr-FR" sz="6600" b="1" dirty="0"/>
               <a:t>;</a:t>
             </a:r>
           </a:p>
@@ -4269,13 +4143,6 @@
       </p:transition>
     </mc:Fallback>
   </mc:AlternateContent>
-  <p:timing>
-    <p:tnLst>
-      <p:par>
-        <p:cTn id="1" dur="indefinite" restart="never" nodeType="tmRoot"/>
-      </p:par>
-    </p:tnLst>
-  </p:timing>
 </p:sld>
 </file>
 
@@ -4463,13 +4330,6 @@
       </p:transition>
     </mc:Fallback>
   </mc:AlternateContent>
-  <p:timing>
-    <p:tnLst>
-      <p:par>
-        <p:cTn id="1" dur="indefinite" restart="never" nodeType="tmRoot"/>
-      </p:par>
-    </p:tnLst>
-  </p:timing>
 </p:sld>
 </file>
 
